--- a/video/fruits.pptx
+++ b/video/fruits.pptx
@@ -5,18 +5,19 @@
     <p:sldMasterId id="2147483648" r:id="rId1"/>
   </p:sldMasterIdLst>
   <p:sldIdLst>
-    <p:sldId id="256" r:id="rId2"/>
-    <p:sldId id="257" r:id="rId3"/>
-    <p:sldId id="258" r:id="rId4"/>
-    <p:sldId id="263" r:id="rId5"/>
-    <p:sldId id="259" r:id="rId6"/>
-    <p:sldId id="264" r:id="rId7"/>
-    <p:sldId id="260" r:id="rId8"/>
-    <p:sldId id="265" r:id="rId9"/>
-    <p:sldId id="262" r:id="rId10"/>
-    <p:sldId id="266" r:id="rId11"/>
-    <p:sldId id="261" r:id="rId12"/>
-    <p:sldId id="267" r:id="rId13"/>
+    <p:sldId id="268" r:id="rId2"/>
+    <p:sldId id="256" r:id="rId3"/>
+    <p:sldId id="257" r:id="rId4"/>
+    <p:sldId id="258" r:id="rId5"/>
+    <p:sldId id="263" r:id="rId6"/>
+    <p:sldId id="259" r:id="rId7"/>
+    <p:sldId id="264" r:id="rId8"/>
+    <p:sldId id="260" r:id="rId9"/>
+    <p:sldId id="265" r:id="rId10"/>
+    <p:sldId id="262" r:id="rId11"/>
+    <p:sldId id="266" r:id="rId12"/>
+    <p:sldId id="261" r:id="rId13"/>
+    <p:sldId id="267" r:id="rId14"/>
   </p:sldIdLst>
   <p:sldSz cx="12192000" cy="6858000"/>
   <p:notesSz cx="6858000" cy="9144000"/>
@@ -270,7 +271,7 @@
           <a:p>
             <a:fld id="{0D1E98EA-BDA6-4B7B-9EE3-174AA4EB3948}" type="datetimeFigureOut">
               <a:rPr lang="zh-CN" altLang="en-US" smtClean="0"/>
-              <a:t>2019/1/18</a:t>
+              <a:t>2019/1/20</a:t>
             </a:fld>
             <a:endParaRPr lang="zh-CN" altLang="en-US"/>
           </a:p>
@@ -468,7 +469,7 @@
           <a:p>
             <a:fld id="{0D1E98EA-BDA6-4B7B-9EE3-174AA4EB3948}" type="datetimeFigureOut">
               <a:rPr lang="zh-CN" altLang="en-US" smtClean="0"/>
-              <a:t>2019/1/18</a:t>
+              <a:t>2019/1/20</a:t>
             </a:fld>
             <a:endParaRPr lang="zh-CN" altLang="en-US"/>
           </a:p>
@@ -676,7 +677,7 @@
           <a:p>
             <a:fld id="{0D1E98EA-BDA6-4B7B-9EE3-174AA4EB3948}" type="datetimeFigureOut">
               <a:rPr lang="zh-CN" altLang="en-US" smtClean="0"/>
-              <a:t>2019/1/18</a:t>
+              <a:t>2019/1/20</a:t>
             </a:fld>
             <a:endParaRPr lang="zh-CN" altLang="en-US"/>
           </a:p>
@@ -874,7 +875,7 @@
           <a:p>
             <a:fld id="{0D1E98EA-BDA6-4B7B-9EE3-174AA4EB3948}" type="datetimeFigureOut">
               <a:rPr lang="zh-CN" altLang="en-US" smtClean="0"/>
-              <a:t>2019/1/18</a:t>
+              <a:t>2019/1/20</a:t>
             </a:fld>
             <a:endParaRPr lang="zh-CN" altLang="en-US"/>
           </a:p>
@@ -1149,7 +1150,7 @@
           <a:p>
             <a:fld id="{0D1E98EA-BDA6-4B7B-9EE3-174AA4EB3948}" type="datetimeFigureOut">
               <a:rPr lang="zh-CN" altLang="en-US" smtClean="0"/>
-              <a:t>2019/1/18</a:t>
+              <a:t>2019/1/20</a:t>
             </a:fld>
             <a:endParaRPr lang="zh-CN" altLang="en-US"/>
           </a:p>
@@ -1414,7 +1415,7 @@
           <a:p>
             <a:fld id="{0D1E98EA-BDA6-4B7B-9EE3-174AA4EB3948}" type="datetimeFigureOut">
               <a:rPr lang="zh-CN" altLang="en-US" smtClean="0"/>
-              <a:t>2019/1/18</a:t>
+              <a:t>2019/1/20</a:t>
             </a:fld>
             <a:endParaRPr lang="zh-CN" altLang="en-US"/>
           </a:p>
@@ -1826,7 +1827,7 @@
           <a:p>
             <a:fld id="{0D1E98EA-BDA6-4B7B-9EE3-174AA4EB3948}" type="datetimeFigureOut">
               <a:rPr lang="zh-CN" altLang="en-US" smtClean="0"/>
-              <a:t>2019/1/18</a:t>
+              <a:t>2019/1/20</a:t>
             </a:fld>
             <a:endParaRPr lang="zh-CN" altLang="en-US"/>
           </a:p>
@@ -1967,7 +1968,7 @@
           <a:p>
             <a:fld id="{0D1E98EA-BDA6-4B7B-9EE3-174AA4EB3948}" type="datetimeFigureOut">
               <a:rPr lang="zh-CN" altLang="en-US" smtClean="0"/>
-              <a:t>2019/1/18</a:t>
+              <a:t>2019/1/20</a:t>
             </a:fld>
             <a:endParaRPr lang="zh-CN" altLang="en-US"/>
           </a:p>
@@ -2080,7 +2081,7 @@
           <a:p>
             <a:fld id="{0D1E98EA-BDA6-4B7B-9EE3-174AA4EB3948}" type="datetimeFigureOut">
               <a:rPr lang="zh-CN" altLang="en-US" smtClean="0"/>
-              <a:t>2019/1/18</a:t>
+              <a:t>2019/1/20</a:t>
             </a:fld>
             <a:endParaRPr lang="zh-CN" altLang="en-US"/>
           </a:p>
@@ -2391,7 +2392,7 @@
           <a:p>
             <a:fld id="{0D1E98EA-BDA6-4B7B-9EE3-174AA4EB3948}" type="datetimeFigureOut">
               <a:rPr lang="zh-CN" altLang="en-US" smtClean="0"/>
-              <a:t>2019/1/18</a:t>
+              <a:t>2019/1/20</a:t>
             </a:fld>
             <a:endParaRPr lang="zh-CN" altLang="en-US"/>
           </a:p>
@@ -2679,7 +2680,7 @@
           <a:p>
             <a:fld id="{0D1E98EA-BDA6-4B7B-9EE3-174AA4EB3948}" type="datetimeFigureOut">
               <a:rPr lang="zh-CN" altLang="en-US" smtClean="0"/>
-              <a:t>2019/1/18</a:t>
+              <a:t>2019/1/20</a:t>
             </a:fld>
             <a:endParaRPr lang="zh-CN" altLang="en-US"/>
           </a:p>
@@ -2920,7 +2921,7 @@
           <a:p>
             <a:fld id="{0D1E98EA-BDA6-4B7B-9EE3-174AA4EB3948}" type="datetimeFigureOut">
               <a:rPr lang="zh-CN" altLang="en-US" smtClean="0"/>
-              <a:t>2019/1/18</a:t>
+              <a:t>2019/1/20</a:t>
             </a:fld>
             <a:endParaRPr lang="zh-CN" altLang="en-US"/>
           </a:p>
@@ -3337,12 +3338,50 @@
           <a:chExt cx="0" cy="0"/>
         </a:xfrm>
       </p:grpSpPr>
+    </p:spTree>
+    <p:extLst>
+      <p:ext uri="{BB962C8B-B14F-4D97-AF65-F5344CB8AC3E}">
+        <p14:creationId xmlns:p14="http://schemas.microsoft.com/office/powerpoint/2010/main" val="1077029167"/>
+      </p:ext>
+    </p:extLst>
+  </p:cSld>
+  <p:clrMapOvr>
+    <a:masterClrMapping/>
+  </p:clrMapOvr>
+  <mc:AlternateContent xmlns:mc="http://schemas.openxmlformats.org/markup-compatibility/2006" xmlns:p14="http://schemas.microsoft.com/office/powerpoint/2010/main">
+    <mc:Choice Requires="p14">
+      <p:transition spd="slow" p14:dur="2000" advTm="1000"/>
+    </mc:Choice>
+    <mc:Fallback xmlns="">
+      <p:transition spd="slow" advTm="1000"/>
+    </mc:Fallback>
+  </mc:AlternateContent>
+</p:sld>
+</file>
+
+<file path=ppt/slides/slide10.xml><?xml version="1.0" encoding="utf-8"?>
+<p:sld xmlns:a="http://schemas.openxmlformats.org/drawingml/2006/main" xmlns:r="http://schemas.openxmlformats.org/officeDocument/2006/relationships" xmlns:p="http://schemas.openxmlformats.org/presentationml/2006/main">
+  <p:cSld>
+    <p:spTree>
+      <p:nvGrpSpPr>
+        <p:cNvPr id="1" name=""/>
+        <p:cNvGrpSpPr/>
+        <p:nvPr/>
+      </p:nvGrpSpPr>
+      <p:grpSpPr>
+        <a:xfrm>
+          <a:off x="0" y="0"/>
+          <a:ext cx="0" cy="0"/>
+          <a:chOff x="0" y="0"/>
+          <a:chExt cx="0" cy="0"/>
+        </a:xfrm>
+      </p:grpSpPr>
       <p:pic>
         <p:nvPicPr>
-          <p:cNvPr id="5" name="图片 4">
-            <a:extLst>
-              <a:ext uri="{FF2B5EF4-FFF2-40B4-BE49-F238E27FC236}">
-                <a16:creationId xmlns:a16="http://schemas.microsoft.com/office/drawing/2014/main" id="{6D46C7CA-9B00-4708-A29F-8CE95C0F1A7A}"/>
+          <p:cNvPr id="3" name="图片 2">
+            <a:extLst>
+              <a:ext uri="{FF2B5EF4-FFF2-40B4-BE49-F238E27FC236}">
+                <a16:creationId xmlns:a16="http://schemas.microsoft.com/office/drawing/2014/main" id="{5FCF6154-7379-4D19-A916-E8E0023B85E4}"/>
               </a:ext>
             </a:extLst>
           </p:cNvPr>
@@ -3365,8 +3404,8 @@
         </p:blipFill>
         <p:spPr>
           <a:xfrm>
-            <a:off x="442769" y="396744"/>
-            <a:ext cx="976313" cy="976313"/>
+            <a:off x="842402" y="3429000"/>
+            <a:ext cx="1214438" cy="1042988"/>
           </a:xfrm>
           <a:prstGeom prst="rect">
             <a:avLst/>
@@ -3376,7 +3415,7 @@
     </p:spTree>
     <p:extLst>
       <p:ext uri="{BB962C8B-B14F-4D97-AF65-F5344CB8AC3E}">
-        <p14:creationId xmlns:p14="http://schemas.microsoft.com/office/powerpoint/2010/main" val="2918238454"/>
+        <p14:creationId xmlns:p14="http://schemas.microsoft.com/office/powerpoint/2010/main" val="999044573"/>
       </p:ext>
     </p:extLst>
   </p:cSld>
@@ -3385,16 +3424,16 @@
   </p:clrMapOvr>
   <mc:AlternateContent xmlns:mc="http://schemas.openxmlformats.org/markup-compatibility/2006" xmlns:p14="http://schemas.microsoft.com/office/powerpoint/2010/main">
     <mc:Choice Requires="p14">
-      <p:transition spd="slow" p14:dur="2000" advTm="3000"/>
+      <p:transition spd="slow" p14:dur="2000" advTm="2000"/>
     </mc:Choice>
     <mc:Fallback xmlns="">
-      <p:transition spd="slow" advTm="3000"/>
+      <p:transition spd="slow" advTm="2000"/>
     </mc:Fallback>
   </mc:AlternateContent>
 </p:sld>
 </file>
 
-<file path=ppt/slides/slide10.xml><?xml version="1.0" encoding="utf-8"?>
+<file path=ppt/slides/slide11.xml><?xml version="1.0" encoding="utf-8"?>
 <p:sld xmlns:a="http://schemas.openxmlformats.org/drawingml/2006/main" xmlns:r="http://schemas.openxmlformats.org/officeDocument/2006/relationships" xmlns:p="http://schemas.openxmlformats.org/presentationml/2006/main">
   <p:cSld>
     <p:spTree>
@@ -3432,7 +3471,7 @@
 </p:sld>
 </file>
 
-<file path=ppt/slides/slide11.xml><?xml version="1.0" encoding="utf-8"?>
+<file path=ppt/slides/slide12.xml><?xml version="1.0" encoding="utf-8"?>
 <p:sld xmlns:a="http://schemas.openxmlformats.org/drawingml/2006/main" xmlns:r="http://schemas.openxmlformats.org/officeDocument/2006/relationships" xmlns:p="http://schemas.openxmlformats.org/presentationml/2006/main">
   <p:cSld>
     <p:spTree>
@@ -3506,7 +3545,7 @@
 </p:sld>
 </file>
 
-<file path=ppt/slides/slide12.xml><?xml version="1.0" encoding="utf-8"?>
+<file path=ppt/slides/slide13.xml><?xml version="1.0" encoding="utf-8"?>
 <p:sld xmlns:a="http://schemas.openxmlformats.org/drawingml/2006/main" xmlns:r="http://schemas.openxmlformats.org/officeDocument/2006/relationships" xmlns:p="http://schemas.openxmlformats.org/presentationml/2006/main">
   <p:cSld>
     <p:spTree>
@@ -3561,6 +3600,80 @@
           <a:chExt cx="0" cy="0"/>
         </a:xfrm>
       </p:grpSpPr>
+      <p:pic>
+        <p:nvPicPr>
+          <p:cNvPr id="5" name="图片 4">
+            <a:extLst>
+              <a:ext uri="{FF2B5EF4-FFF2-40B4-BE49-F238E27FC236}">
+                <a16:creationId xmlns:a16="http://schemas.microsoft.com/office/drawing/2014/main" id="{6D46C7CA-9B00-4708-A29F-8CE95C0F1A7A}"/>
+              </a:ext>
+            </a:extLst>
+          </p:cNvPr>
+          <p:cNvPicPr>
+            <a:picLocks noChangeAspect="1"/>
+          </p:cNvPicPr>
+          <p:nvPr/>
+        </p:nvPicPr>
+        <p:blipFill>
+          <a:blip r:embed="rId2">
+            <a:extLst>
+              <a:ext uri="{28A0092B-C50C-407E-A947-70E740481C1C}">
+                <a14:useLocalDpi xmlns:a14="http://schemas.microsoft.com/office/drawing/2010/main" val="0"/>
+              </a:ext>
+            </a:extLst>
+          </a:blip>
+          <a:stretch>
+            <a:fillRect/>
+          </a:stretch>
+        </p:blipFill>
+        <p:spPr>
+          <a:xfrm>
+            <a:off x="442769" y="396744"/>
+            <a:ext cx="976313" cy="976313"/>
+          </a:xfrm>
+          <a:prstGeom prst="rect">
+            <a:avLst/>
+          </a:prstGeom>
+        </p:spPr>
+      </p:pic>
+    </p:spTree>
+    <p:extLst>
+      <p:ext uri="{BB962C8B-B14F-4D97-AF65-F5344CB8AC3E}">
+        <p14:creationId xmlns:p14="http://schemas.microsoft.com/office/powerpoint/2010/main" val="2918238454"/>
+      </p:ext>
+    </p:extLst>
+  </p:cSld>
+  <p:clrMapOvr>
+    <a:masterClrMapping/>
+  </p:clrMapOvr>
+  <mc:AlternateContent xmlns:mc="http://schemas.openxmlformats.org/markup-compatibility/2006" xmlns:p14="http://schemas.microsoft.com/office/powerpoint/2010/main">
+    <mc:Choice Requires="p14">
+      <p:transition spd="slow" p14:dur="2000" advTm="3000"/>
+    </mc:Choice>
+    <mc:Fallback xmlns="">
+      <p:transition spd="slow" advTm="3000"/>
+    </mc:Fallback>
+  </mc:AlternateContent>
+</p:sld>
+</file>
+
+<file path=ppt/slides/slide3.xml><?xml version="1.0" encoding="utf-8"?>
+<p:sld xmlns:a="http://schemas.openxmlformats.org/drawingml/2006/main" xmlns:r="http://schemas.openxmlformats.org/officeDocument/2006/relationships" xmlns:p="http://schemas.openxmlformats.org/presentationml/2006/main">
+  <p:cSld>
+    <p:spTree>
+      <p:nvGrpSpPr>
+        <p:cNvPr id="1" name=""/>
+        <p:cNvGrpSpPr/>
+        <p:nvPr/>
+      </p:nvGrpSpPr>
+      <p:grpSpPr>
+        <a:xfrm>
+          <a:off x="0" y="0"/>
+          <a:ext cx="0" cy="0"/>
+          <a:chOff x="0" y="0"/>
+          <a:chExt cx="0" cy="0"/>
+        </a:xfrm>
+      </p:grpSpPr>
     </p:spTree>
     <p:extLst>
       <p:ext uri="{BB962C8B-B14F-4D97-AF65-F5344CB8AC3E}">
@@ -3582,7 +3695,7 @@
 </p:sld>
 </file>
 
-<file path=ppt/slides/slide3.xml><?xml version="1.0" encoding="utf-8"?>
+<file path=ppt/slides/slide4.xml><?xml version="1.0" encoding="utf-8"?>
 <p:sld xmlns:a="http://schemas.openxmlformats.org/drawingml/2006/main" xmlns:r="http://schemas.openxmlformats.org/officeDocument/2006/relationships" xmlns:p="http://schemas.openxmlformats.org/presentationml/2006/main">
   <p:cSld>
     <p:spTree>
@@ -3656,7 +3769,7 @@
 </p:sld>
 </file>
 
-<file path=ppt/slides/slide4.xml><?xml version="1.0" encoding="utf-8"?>
+<file path=ppt/slides/slide5.xml><?xml version="1.0" encoding="utf-8"?>
 <p:sld xmlns:a="http://schemas.openxmlformats.org/drawingml/2006/main" xmlns:r="http://schemas.openxmlformats.org/officeDocument/2006/relationships" xmlns:p="http://schemas.openxmlformats.org/presentationml/2006/main">
   <p:cSld>
     <p:spTree>
@@ -3694,7 +3807,7 @@
 </p:sld>
 </file>
 
-<file path=ppt/slides/slide5.xml><?xml version="1.0" encoding="utf-8"?>
+<file path=ppt/slides/slide6.xml><?xml version="1.0" encoding="utf-8"?>
 <p:sld xmlns:a="http://schemas.openxmlformats.org/drawingml/2006/main" xmlns:r="http://schemas.openxmlformats.org/officeDocument/2006/relationships" xmlns:p="http://schemas.openxmlformats.org/presentationml/2006/main">
   <p:cSld>
     <p:spTree>
@@ -3768,7 +3881,7 @@
 </p:sld>
 </file>
 
-<file path=ppt/slides/slide6.xml><?xml version="1.0" encoding="utf-8"?>
+<file path=ppt/slides/slide7.xml><?xml version="1.0" encoding="utf-8"?>
 <p:sld xmlns:a="http://schemas.openxmlformats.org/drawingml/2006/main" xmlns:r="http://schemas.openxmlformats.org/officeDocument/2006/relationships" xmlns:p="http://schemas.openxmlformats.org/presentationml/2006/main">
   <p:cSld>
     <p:spTree>
@@ -3806,7 +3919,7 @@
 </p:sld>
 </file>
 
-<file path=ppt/slides/slide7.xml><?xml version="1.0" encoding="utf-8"?>
+<file path=ppt/slides/slide8.xml><?xml version="1.0" encoding="utf-8"?>
 <p:sld xmlns:a="http://schemas.openxmlformats.org/drawingml/2006/main" xmlns:r="http://schemas.openxmlformats.org/officeDocument/2006/relationships" xmlns:p="http://schemas.openxmlformats.org/presentationml/2006/main">
   <p:cSld>
     <p:spTree>
@@ -3880,7 +3993,7 @@
 </p:sld>
 </file>
 
-<file path=ppt/slides/slide8.xml><?xml version="1.0" encoding="utf-8"?>
+<file path=ppt/slides/slide9.xml><?xml version="1.0" encoding="utf-8"?>
 <p:sld xmlns:a="http://schemas.openxmlformats.org/drawingml/2006/main" xmlns:r="http://schemas.openxmlformats.org/officeDocument/2006/relationships" xmlns:p="http://schemas.openxmlformats.org/presentationml/2006/main">
   <p:cSld>
     <p:spTree>
@@ -3913,80 +4026,6 @@
     </mc:Choice>
     <mc:Fallback xmlns="">
       <p:transition spd="slow" advTm="500"/>
-    </mc:Fallback>
-  </mc:AlternateContent>
-</p:sld>
-</file>
-
-<file path=ppt/slides/slide9.xml><?xml version="1.0" encoding="utf-8"?>
-<p:sld xmlns:a="http://schemas.openxmlformats.org/drawingml/2006/main" xmlns:r="http://schemas.openxmlformats.org/officeDocument/2006/relationships" xmlns:p="http://schemas.openxmlformats.org/presentationml/2006/main">
-  <p:cSld>
-    <p:spTree>
-      <p:nvGrpSpPr>
-        <p:cNvPr id="1" name=""/>
-        <p:cNvGrpSpPr/>
-        <p:nvPr/>
-      </p:nvGrpSpPr>
-      <p:grpSpPr>
-        <a:xfrm>
-          <a:off x="0" y="0"/>
-          <a:ext cx="0" cy="0"/>
-          <a:chOff x="0" y="0"/>
-          <a:chExt cx="0" cy="0"/>
-        </a:xfrm>
-      </p:grpSpPr>
-      <p:pic>
-        <p:nvPicPr>
-          <p:cNvPr id="3" name="图片 2">
-            <a:extLst>
-              <a:ext uri="{FF2B5EF4-FFF2-40B4-BE49-F238E27FC236}">
-                <a16:creationId xmlns:a16="http://schemas.microsoft.com/office/drawing/2014/main" id="{5FCF6154-7379-4D19-A916-E8E0023B85E4}"/>
-              </a:ext>
-            </a:extLst>
-          </p:cNvPr>
-          <p:cNvPicPr>
-            <a:picLocks noChangeAspect="1"/>
-          </p:cNvPicPr>
-          <p:nvPr/>
-        </p:nvPicPr>
-        <p:blipFill>
-          <a:blip r:embed="rId2">
-            <a:extLst>
-              <a:ext uri="{28A0092B-C50C-407E-A947-70E740481C1C}">
-                <a14:useLocalDpi xmlns:a14="http://schemas.microsoft.com/office/drawing/2010/main" val="0"/>
-              </a:ext>
-            </a:extLst>
-          </a:blip>
-          <a:stretch>
-            <a:fillRect/>
-          </a:stretch>
-        </p:blipFill>
-        <p:spPr>
-          <a:xfrm>
-            <a:off x="842402" y="3429000"/>
-            <a:ext cx="1214438" cy="1042988"/>
-          </a:xfrm>
-          <a:prstGeom prst="rect">
-            <a:avLst/>
-          </a:prstGeom>
-        </p:spPr>
-      </p:pic>
-    </p:spTree>
-    <p:extLst>
-      <p:ext uri="{BB962C8B-B14F-4D97-AF65-F5344CB8AC3E}">
-        <p14:creationId xmlns:p14="http://schemas.microsoft.com/office/powerpoint/2010/main" val="999044573"/>
-      </p:ext>
-    </p:extLst>
-  </p:cSld>
-  <p:clrMapOvr>
-    <a:masterClrMapping/>
-  </p:clrMapOvr>
-  <mc:AlternateContent xmlns:mc="http://schemas.openxmlformats.org/markup-compatibility/2006" xmlns:p14="http://schemas.microsoft.com/office/powerpoint/2010/main">
-    <mc:Choice Requires="p14">
-      <p:transition spd="slow" p14:dur="2000" advTm="2000"/>
-    </mc:Choice>
-    <mc:Fallback xmlns="">
-      <p:transition spd="slow" advTm="2000"/>
     </mc:Fallback>
   </mc:AlternateContent>
 </p:sld>

--- a/video/fruits.pptx
+++ b/video/fruits.pptx
@@ -271,7 +271,7 @@
           <a:p>
             <a:fld id="{0D1E98EA-BDA6-4B7B-9EE3-174AA4EB3948}" type="datetimeFigureOut">
               <a:rPr lang="zh-CN" altLang="en-US" smtClean="0"/>
-              <a:t>2019/1/20</a:t>
+              <a:t>2019/1/21</a:t>
             </a:fld>
             <a:endParaRPr lang="zh-CN" altLang="en-US"/>
           </a:p>
@@ -469,7 +469,7 @@
           <a:p>
             <a:fld id="{0D1E98EA-BDA6-4B7B-9EE3-174AA4EB3948}" type="datetimeFigureOut">
               <a:rPr lang="zh-CN" altLang="en-US" smtClean="0"/>
-              <a:t>2019/1/20</a:t>
+              <a:t>2019/1/21</a:t>
             </a:fld>
             <a:endParaRPr lang="zh-CN" altLang="en-US"/>
           </a:p>
@@ -677,7 +677,7 @@
           <a:p>
             <a:fld id="{0D1E98EA-BDA6-4B7B-9EE3-174AA4EB3948}" type="datetimeFigureOut">
               <a:rPr lang="zh-CN" altLang="en-US" smtClean="0"/>
-              <a:t>2019/1/20</a:t>
+              <a:t>2019/1/21</a:t>
             </a:fld>
             <a:endParaRPr lang="zh-CN" altLang="en-US"/>
           </a:p>
@@ -875,7 +875,7 @@
           <a:p>
             <a:fld id="{0D1E98EA-BDA6-4B7B-9EE3-174AA4EB3948}" type="datetimeFigureOut">
               <a:rPr lang="zh-CN" altLang="en-US" smtClean="0"/>
-              <a:t>2019/1/20</a:t>
+              <a:t>2019/1/21</a:t>
             </a:fld>
             <a:endParaRPr lang="zh-CN" altLang="en-US"/>
           </a:p>
@@ -1150,7 +1150,7 @@
           <a:p>
             <a:fld id="{0D1E98EA-BDA6-4B7B-9EE3-174AA4EB3948}" type="datetimeFigureOut">
               <a:rPr lang="zh-CN" altLang="en-US" smtClean="0"/>
-              <a:t>2019/1/20</a:t>
+              <a:t>2019/1/21</a:t>
             </a:fld>
             <a:endParaRPr lang="zh-CN" altLang="en-US"/>
           </a:p>
@@ -1415,7 +1415,7 @@
           <a:p>
             <a:fld id="{0D1E98EA-BDA6-4B7B-9EE3-174AA4EB3948}" type="datetimeFigureOut">
               <a:rPr lang="zh-CN" altLang="en-US" smtClean="0"/>
-              <a:t>2019/1/20</a:t>
+              <a:t>2019/1/21</a:t>
             </a:fld>
             <a:endParaRPr lang="zh-CN" altLang="en-US"/>
           </a:p>
@@ -1827,7 +1827,7 @@
           <a:p>
             <a:fld id="{0D1E98EA-BDA6-4B7B-9EE3-174AA4EB3948}" type="datetimeFigureOut">
               <a:rPr lang="zh-CN" altLang="en-US" smtClean="0"/>
-              <a:t>2019/1/20</a:t>
+              <a:t>2019/1/21</a:t>
             </a:fld>
             <a:endParaRPr lang="zh-CN" altLang="en-US"/>
           </a:p>
@@ -1968,7 +1968,7 @@
           <a:p>
             <a:fld id="{0D1E98EA-BDA6-4B7B-9EE3-174AA4EB3948}" type="datetimeFigureOut">
               <a:rPr lang="zh-CN" altLang="en-US" smtClean="0"/>
-              <a:t>2019/1/20</a:t>
+              <a:t>2019/1/21</a:t>
             </a:fld>
             <a:endParaRPr lang="zh-CN" altLang="en-US"/>
           </a:p>
@@ -2081,7 +2081,7 @@
           <a:p>
             <a:fld id="{0D1E98EA-BDA6-4B7B-9EE3-174AA4EB3948}" type="datetimeFigureOut">
               <a:rPr lang="zh-CN" altLang="en-US" smtClean="0"/>
-              <a:t>2019/1/20</a:t>
+              <a:t>2019/1/21</a:t>
             </a:fld>
             <a:endParaRPr lang="zh-CN" altLang="en-US"/>
           </a:p>
@@ -2392,7 +2392,7 @@
           <a:p>
             <a:fld id="{0D1E98EA-BDA6-4B7B-9EE3-174AA4EB3948}" type="datetimeFigureOut">
               <a:rPr lang="zh-CN" altLang="en-US" smtClean="0"/>
-              <a:t>2019/1/20</a:t>
+              <a:t>2019/1/21</a:t>
             </a:fld>
             <a:endParaRPr lang="zh-CN" altLang="en-US"/>
           </a:p>
@@ -2680,7 +2680,7 @@
           <a:p>
             <a:fld id="{0D1E98EA-BDA6-4B7B-9EE3-174AA4EB3948}" type="datetimeFigureOut">
               <a:rPr lang="zh-CN" altLang="en-US" smtClean="0"/>
-              <a:t>2019/1/20</a:t>
+              <a:t>2019/1/21</a:t>
             </a:fld>
             <a:endParaRPr lang="zh-CN" altLang="en-US"/>
           </a:p>
@@ -2921,7 +2921,7 @@
           <a:p>
             <a:fld id="{0D1E98EA-BDA6-4B7B-9EE3-174AA4EB3948}" type="datetimeFigureOut">
               <a:rPr lang="zh-CN" altLang="en-US" smtClean="0"/>
-              <a:t>2019/1/20</a:t>
+              <a:t>2019/1/21</a:t>
             </a:fld>
             <a:endParaRPr lang="zh-CN" altLang="en-US"/>
           </a:p>
@@ -3628,7 +3628,7 @@
         </p:blipFill>
         <p:spPr>
           <a:xfrm>
-            <a:off x="442769" y="396744"/>
+            <a:off x="1028696" y="796239"/>
             <a:ext cx="976313" cy="976313"/>
           </a:xfrm>
           <a:prstGeom prst="rect">
@@ -3740,7 +3740,7 @@
         </p:blipFill>
         <p:spPr>
           <a:xfrm>
-            <a:off x="2061850" y="1039393"/>
+            <a:off x="3029515" y="1181435"/>
             <a:ext cx="1152525" cy="985838"/>
           </a:xfrm>
           <a:prstGeom prst="rect">
